--- a/350_ch9_HuffmanCoding.pptx
+++ b/350_ch9_HuffmanCoding.pptx
@@ -462,7 +462,7 @@
   <inkml:trace contextRef="#ctx0" brushRef="#br0" timeOffset="48819.98">1762 6646 1913 0,'7'-2'1572'0,"-7"2"-287"0,0 0-202 16,10 1-204-16,-10-1-76 0,17 1-147 0,-7-5-656 0,1 2 0 15,3-1 0-15,-2-2 0 0,4 0 0 0,4-1 0 0,2-1 0 16,1 2 0-16,0-3 0 0,-2 2 0 16,5 1 0-16,-2-1-484 0,-2 1-454 0,2-1-146 0,-3 1-710 15,1 0-1496-15</inkml:trace>
   <inkml:trace contextRef="#ctx0" brushRef="#br0" timeOffset="49279.96">2425 6291 1771 0,'0'0'1526'15,"-4"4"-252"-15,-3 4-226 0,-1 2-224 0,2 1-129 0,-1 2-110 16,-3-1-117-16,2-1-468 0,2 3 0 16,-4 1 0-16,2 3 0 0,-2 2 0 0,0 5 0 15,-1 2 0-15,0 3 0 0,3 1 0 0,0 0 0 16,1 0 0-16,1-1 0 0,3-4 0 0,2-2 0 0,-1 1 0 15,4-5 0-15,-2-2 0 0,4 0 0 0,0-3 0 0,1 1 0 16,0-3 0-16,5-3 0 0,-1-3 0 16,1-2 0-16,-1-3 0 0,3-2 0 0,3-2-99 0,-1-2-123 15,3-4 9-15,2-2-26 16,1-7 3-16,3-2 19 0,0-5 4 0,3-1 45 0,-5-2 18 0,1-3 17 16,-2 2 7-16,-1-4 7 15,-3 2 0-15,-4 3 31 0,0 1 8 0,-1-1 47 0,-3 4 41 16,-2 3 47-16,-1 0 64 0,0 4 51 0,-2 0 50 0,-1 5 19 0,0-1 23 15,-2 1 18-15,0 1-27 16,0 0 39-16,0 3-43 0,-1 0 20 0,0 1-230 0,1 6-39 16,-2-10 0-16,2 10 0 0,-4-7 0 15,4 7 0-15,0 0 0 0,0 0 0 0,0 0 0 0,-11 4 0 16,11-4 0-16,-4 8 0 0,4-8 0 16,-4 11 0-16,3-5 0 0,1-6 0 0,-3 11 0 0,3-11 0 15,0 11-46-15,0-11-359 0,-1 11-34 16,1-11-54-16,0 8-40 0,0-8-79 0,-3 10-36 0,3-10-40 15,0 6-97-15,0-6-323 0,0 0-725 0</inkml:trace>
   <inkml:trace contextRef="#ctx0" brushRef="#br0" timeOffset="49659.95">2634 5875 322 0,'0'-11'1158'0,"0"1"-163"15,0 3-177-15,0 7-56 16,0-12-125-16,0 12-16 0,0 0-60 0,0 0 72 0,0 0 10 0,-4 10 85 15,-3 3-415-15,5 5-313 0,-4 13 0 0,-3 9 0 0,-3 10 0 16,-2 15 0-16,-3 8 0 16,-5 6 0-16,1 4 0 0,-6 15 0 0,1 0 0 0,4-17 0 0,1 1 0 15,-1-4 0-15,2-5 0 16,1-5 0-16,3-4 0 0,1-6 0 0,2-14 0 0,2-3 0 16,4-11 0-16,0-7 0 0,2 1 0 15,0-8 0-15,1-1 0 0,1-4 0 0,3-11 0 0,0 0 0 16,0 0 0-16,7-14 0 0,1-7 0 15,3-10-549-15,-1-11-333 0,8-12 5 0,-2-8-98 0,0-10-581 16,3-5-1195-16</inkml:trace>
-  <inkml:trace contextRef="#ctx0" brushRef="#br0" timeOffset="49860.26">2563 6022 890 0,'12'-56'414'0,"-3"11"-24"0,1 3 8 0,-1 10 1 16,-4 4-25-16,-2 6-6 0,1 6 24 16,0 2 9-16,-2 5 3 0,-2 9 56 0,0 0 32 0,0 0 103 15,-3 8-49-15,-4 5-33 16,3 9 27-16,-4 10-32 0,-4 9-401 0,-1 16-107 0,-5 8 0 0,0 6 0 15,-4 8 0-15,1 2 0 0,-7 19 0 0,-3 0 0 0,4-2 0 16,1-19 0-16,2 1 0 16,1-5 0-16,1-7 0 0,2-8 0 0,2-4 0 0,5-15 0 0,1-6 0 15,4-7 0-15,0-7 0 16,4-7 0-16,3-4 0 0,1-10 0 0,0 0-336 0,5-9-628 16,3-9-48-16,4-8-842 0,3-10-1570 15</inkml:trace>
+  <inkml:trace contextRef="#ctx0" brushRef="#br0" timeOffset="49860.25">2563 6022 890 0,'12'-56'414'0,"-3"11"-24"0,1 3 8 0,-1 10 1 16,-4 4-25-16,-2 6-6 0,1 6 24 16,0 2 9-16,-2 5 3 0,-2 9 56 0,0 0 32 0,0 0 103 15,-3 8-49-15,-4 5-33 16,3 9 27-16,-4 10-32 0,-4 9-401 0,-1 16-107 0,-5 8 0 0,0 6 0 15,-4 8 0-15,1 2 0 0,-7 19 0 0,-3 0 0 0,4-2 0 16,1-19 0-16,2 1 0 16,1-5 0-16,1-7 0 0,2-8 0 0,2-4 0 0,5-15 0 0,1-6 0 15,4-7 0-15,0-7 0 16,4-7 0-16,3-4 0 0,1-10 0 0,0 0-336 0,5-9-628 16,3-9-48-16,4-8-842 0,3-10-1570 15</inkml:trace>
   <inkml:trace contextRef="#ctx0" brushRef="#br0" timeOffset="49950.14">2461 6499 601 0,'-16'38'646'0,"0"5"-154"0,-3 9-113 15,2 1-129-15,-3 3-154 0,2-1-223 0,3 1-217 0,0-11-283 16,4 2-138-16</inkml:trace>
   <inkml:trace contextRef="#ctx0" brushRef="#br0" timeOffset="52340.11">4214 12989 16 0,'0'0'878'0,"-12"2"-218"16,12-2-138-16,-11 2-106 0,11-2-92 16,-11 3-49-16,11-3-15 0,0 0-11 0,-11 0-30 15,11 0-18-15,0 0-1 0,0 0 7 0,0 0 14 16,0 0-34-16,0 0 31 0,12 0-51 0,0-2 25 0,0-1-39 15,4 0 35-15,3-1-26 0,5-1 20 0,1 0-28 0,8 0 1 16,-2-3-34-16,7 1 1 0,4-3-32 16,5 2-3-16,-3-4-24 0,4 3 2 0,0-2-27 0,3 3 5 15,-2-2-20-15,2 2 10 0,2-2-22 16,-2 3 12-16,4-2-19 0,-1 3 13 16,4-1-20-16,-1 1 14 0,-2 1-18 0,3-2 17 15,1 1-21-15,-2 1 16 0,2 0-15 0,-1 2 15 0,-1-3-14 0,2 2 10 16,-1 0-11-16,3-1 13 0,0 4-17 0,-1-3 10 0,0 0-17 15,1 2 8-15,0-1-22 16,1 0 21-16,-1 1-14 0,1-3 21 0,0 2-13 0,-4 1 17 0,5-2-15 16,-6 1 21-16,6-4-13 15,-6 3 17-15,2 1-19 0,-1-1 22 0,0 0-20 0,-1-1-4 16,-1 3 24-16,0-1-15 0,-3 1 15 16,0 1-17-16,1 0 14 0,-1-1-19 0,-3 2 18 0,2 0-13 15,-3 0 14-15,1 2-15 0,2-2 18 16,-3 0-19-16,-5 0 5 0,5 0-35 0,-4 0 8 0,4 0-33 15,2-3 17-15,-2 2-29 0,2-2 15 0,-1 0-26 0,1 0 31 16,-2-1-23-16,1 0 34 0,-2 0-32 16,0 1 27-16,-3-1-32 0,-3 3 43 0,-3-4-31 0,2 3 47 15,0-3-32-15,0 3 51 0,-1-1-35 16,2 2 47-16,-1-1-34 0,2-1 44 0,1 2-27 0,3 0 7 16,-3 0 8-16,4 1 12 15,-5 0-1-15,2 0 6 0,3 0 27 0,5 0-35 0,-3 0 35 16,2 0-28-16,-2-1 16 0,0-1-33 15,3 0 25-15,-1 1-31 0,5-3 20 0,-2 2-24 0,0-2-2 16,3 1 1-16,0-2 3 0,3 1 1 0,-2-1 1 0,14 0-1 0,-6-3 24 16,-6 3-27-16,9 0 49 15,-12-1-13-15,14-1 32 0,-1 0-22 0,-4-1 8 0,5 4 8 16,-2-2-6-16,2-1 1 0,0 2-6 16,1-1-5-16,-1 0-12 0,2 0 10 0,-4 0-23 0,4 0 12 15,0 0-21-15,3 0 14 0,-3 0-23 16,3 0 2-16,1 1 2 0,1 0-5 0,0-1 22 0,-1 3-21 15,3-2 17-15,-4 1-18 0,3 0 18 0,2 0-21 0,-1 1 5 16,2-1-5-16,2 2 20 0,0-2-21 16,2 1 14-16,0-1-11 0,-2 3 10 0,4-3-12 0,-1 0 15 15,1 1-18-15,2-3 13 0,0 3-14 16,0 0 18-16,4-3-25 0,-4 0 20 0,1 0-21 16,-3-3 22-16,0 2-21 0,3-3 19 15,-3 2-19-15,0-2 21 0,0 0-17 0,2 0 22 0,-3 2-21 0,1-2 21 16,1 2-17-16,-2-2 19 0,-2 2-24 0,1-3 23 0,2 4-23 15,-1 1 16-15,0-3-14 16,0 3 20-16,-4-1-24 0,2 0 27 0,-3 2-5 0,-3-2 2 0,1 1-7 16,-6 1-13-16,2 1 20 15,0-1-20-15,0 2 21 0,-2-1-19 0,-2 2 15 0,1 0-16 16,-9-1 19-16,-3 2-19 0,3-2 18 16,-2 2 1-16,3 0-2 0,-2-1-21 0,0 1 25 0,13-1-24 15,-11 2 8-15,10-1-5 0,1 1 22 16,-1-1-18-16,-9 1 17 0,10 1-16 0,0 0 11 0,-2 1 6 15,0 0-19-15,3 1 19 0,-4 0-16 0,3 1 25 0,3-2-17 16,-3 3 18-16,3-1-11 0,0 0 15 16,0 2-22-16,2-2 16 0,0 1-17 0,3 0 14 0,-1-1-21 15,2 1 18-15,3 1-14 0,3-2 12 16,-1 0-6-16,2 0 20 0,3 0-20 0,0-1 18 0,5 1-21 16,-3-2 2-16,7 1-4 15,1 1 15-15,0-1-17 0,2 0 20 0,0 0-2 0,5-1 23 0,18 1-6 16,1 1 25-16,-1 0-10 0,1-2 21 0,-1 2-4 15,0 0 14-15,-2 0-10 0,3-1 2 16,2 1-12-16,-1 0-7 0,1 0-4 0,-1-1-16 0,3-1 0 0,0 1-5 16,2 1-5-16,2-2-7 15,-1 2 8-15,2-3-14 0,-1 1 2 0,1 0-1 0,2 0 3 16,-1 0-7-16,0-1 14 0,-4-1-17 16,2 0 11-16,-1 2-4 0,3-1 11 0,-5-1-7 0,1 1 7 15,-1-2-14-15,-25 1 16 0,22 1-17 16,-20-1 13-16,1 0-23 0,17 0 13 0,-22 0-19 0,2 1 22 15,-4-1-23-15,-1 0 4 0,0 0-16 0,-1 2-27 0,-4-2-29 16,-2 2-41-16,-2-4-54 0,-6-2-75 16,-4-2-123-16,-10 0-118 0,-23 1-64 0,-16 3 65 0,-12-1 80 15,-12 3 50-15,-15 0-12 16,0 0-137-16,0 0-144 0,-9 5-361 0,-6-5-616 0</inkml:trace>
   <inkml:trace contextRef="#ctx0" brushRef="#br0" timeOffset="53720.03">1307 9749 1122 0,'3'-10'949'16,"-3"10"-149"-16,0 0-113 0,0-6-90 0,0 6-96 0,0 0-70 0,-9 13-16 15,1-2-4-15,-3 15-8 0,-9 8-31 16,-6 14 26-16,-2 9-34 0,-6 4 31 0,1 7-49 16,0 5-346-16,-8 12 0 0,8-11 0 0,-2 15 0 15,7-16 0-15,1 1 0 0,5-6 0 0,1-1 0 0,5-4 0 16,4-5 0-16,3-11 0 0,6-4 0 0,0-8 0 15,3-1 0-15,6-7 0 0,-2-2 0 0,4-4 0 16,1-2 0-16,6-4 0 0,0-5 0 0,0-2 0 0,3-5 0 16,2-3 0-16,-4-2-309 0,8-5-162 15,2-4-24-15,-2-2-22 0,-2-3-86 0,-1-2-60 0,-6-2-61 16,4-1-678-16,-10 2-1004 16</inkml:trace>
@@ -507,7 +507,7 @@
   <inkml:trace contextRef="#ctx0" brushRef="#br0" timeOffset="16079.99">9142 14056 1719 0,'-8'9'1106'0,"-1"2"-173"15,-1 3-174-15,-2 1-121 0,4 3-83 0,-2 2-32 0,2-2 18 0,0 0-16 16,-1 2-38-16,0 5-82 16,-2 3-405-16,-1 1 0 0,-2 7 0 0,3-1 0 0,-1 3 0 15,0-1 0-15,0-1 0 0,6-5 0 16,1-2 0-16,0-4 0 0,2-1 0 0,2-3 0 0,2-3 0 15,2-2 0-15,2-1 0 0,2-5 0 0,-2-2 0 0,6-4 0 16,1-4 0-16,2-5-22 0,5-5-238 16,-2-2-48-16,5-6 17 0,2-7-30 0,2-3 35 0,-2-3-3 15,-3-3 22-15,1-5 27 0,3-8 34 16,-4 4 40-16,-4-2 34 0,-3 0 23 0,-5 0 30 0,1-1 8 16,-6 0 16-16,-2 11 12 0,-2 1 27 15,-5 7 73-15,1 4 33 0,-3 3 73 0,2 5-5 0,-5 5 68 16,-2 4 33-16,0 4 55 15,0 6 7-15,-3 4 3 0,-1 6-8 0,-3 5-12 0,0 9-32 0,-1 2-44 16,5 5-99-16,2-1-129 0,0 4 0 0,8-6 0 0,1-1 0 16,4-4 0-16,4 1-2 15,1 0-508-15,6 1-169 0,3-4-142 0,1-3-258 0,2-2-536 0,-1-6-1269 16</inkml:trace>
   <inkml:trace contextRef="#ctx0" brushRef="#br0" timeOffset="17530.02">10574 14073 207 0,'-15'8'815'0,"-1"4"-91"0,1 4-78 16,-2 4-52-16,-2 8-43 0,-1 2 20 0,3 2-47 0,-3 3-5 16,5 2-29-16,3 1-49 0,-1 2-61 15,2 1-79-15,1-1-38 0,8-5-66 0,-2-1-34 0,4 2-38 16,1-1-23-16,3-2-24 0,3-4-16 16,2-1-29-16,1-7-55 0,-1-3-33 0,6-4-8 0,0-6-17 15,1-2-14-15,0-5-25 0,3-6-25 16,4-3-27-16,2-6-17 0,4-6-22 0,1-5 52 0,-2-4-22 15,-1 0 37-15,-3-5 1 0,-2-2 32 16,-1-1-5-16,-5-1-13 0,-3-1 1 0,-5 0-1 16,-3 4-6-16,-4 1 39 0,-3 1 27 0,-5 2 50 0,0 2 35 0,-4 5 57 15,-5 2 40-15,1 4 37 16,-3 6 63-16,-4 4 69 0,0 3 63 0,-2 6 16 16,-1 5 6-16,-5 5 40 0,-4 8 26 0,0 5-108 15,3 4-326-15,3 4 0 0,1 2 0 0,3 0 0 0,2 3 0 16,6 0 0-16,4-1 0 0,3-7 0 15,3 0 0-15,6-3 0 0,5-2 0 0,0-3 0 0,7-4-561 16,1-3-306-16,6-6-86 0</inkml:trace>
   <inkml:trace contextRef="#ctx0" brushRef="#br0" timeOffset="18149.98">11015 14069 1540 0,'-12'18'1124'16,"-2"2"-106"-16,4 4-60 0,0 1-68 15,1 2-56-15,-1 5-65 0,1-3-23 0,-3 8-434 0,2 2-312 16,-3 5 0-16,2 1 0 16,-1 3 0-16,1-1 0 0,2 0 0 0,-1-3 0 15,3 0 0-15,3-11 0 0,0-2 0 0,2-5 0 16,2-6 0-16,0-2 0 0,0-5 0 0,2-2-60 0,2-5-715 15,-4-6-81-15,12-4-113 0,-2-8-779 0,2-5-1434 0</inkml:trace>
-  <inkml:trace contextRef="#ctx0" brushRef="#br0" timeOffset="21598.61">12534 16352 706 0,'-5'-9'679'0,"1"-1"-55"0,1 1-33 0,-1-1-49 0,2 1-45 0,-1-2-22 15,2-2-32-15,-1 3-33 16,2-1-13-16,0 1-18 0,0-2-17 0,0 2-9 0,0 0-7 16,0-2-30-16,0 6 44 0,2-1-21 15,-1 1 33-15,-1 6-372 0,0-11 0 0,0 11 0 16,0 0 0-16,0 0 0 0,0 0 0 0,5 15 0 0,-5 4 0 0,-4 8 0 15,3 7 0-15,-2 9 0 0,2 1 0 16,-5 2 0-16,4-2 0 0,0 1 0 0,0-8 0 0,1-1 0 16,0-3 0-16,1-4 0 0,-1-2 0 15,1-3 0-15,1-5 0 0,-1 1 0 0,1-7 0 0,1 0-158 16,1-1-834-16,2-6-52 0,-5-6-847 16,7 4-1614-16</inkml:trace>
+  <inkml:trace contextRef="#ctx0" brushRef="#br0" timeOffset="21598.6">12534 16352 706 0,'-5'-9'679'0,"1"-1"-55"0,1 1-33 0,-1-1-49 0,2 1-45 0,-1-2-22 15,2-2-32-15,-1 3-33 16,2-1-13-16,0 1-18 0,0-2-17 0,0 2-9 0,0 0-7 16,0-2-30-16,0 6 44 0,2-1-21 15,-1 1 33-15,-1 6-372 0,0-11 0 0,0 11 0 16,0 0 0-16,0 0 0 0,0 0 0 0,5 15 0 0,-5 4 0 0,-4 8 0 15,3 7 0-15,-2 9 0 0,2 1 0 16,-5 2 0-16,4-2 0 0,0 1 0 0,0-8 0 0,1-1 0 16,0-3 0-16,1-4 0 0,-1-2 0 15,1-3 0-15,1-5 0 0,-1 1 0 0,1-7 0 0,1 0-158 16,1-1-834-16,2-6-52 0,-5-6-847 16,7 4-1614-16</inkml:trace>
   <inkml:trace contextRef="#ctx0" brushRef="#br0" timeOffset="21926">12770 16319 1284 0,'10'1'1481'0,"-10"-1"-242"0,4 13-152 15,-4-2-115-15,0 6-108 16,0 3-116-16,0 4-232 0,0 1-516 0,1 4 0 0,-1-1 0 0,4 5 0 16,-3 0 0-16,4 0 0 15,1-3 0-15,0 2 0 0,0-3 0 0,1-2 0 0,0-5 0 0,1-2 0 16,0 0 0-16,3-5 0 15,-4-3 0-15,4-3 0 0,-1-5 0 0,0-1 0 0,2-4 0 16,0-6 0-16,3-4-490 0,-2-6-37 0,2-7 20 0,0-3 14 0,-3-8 21 16,4-2 37-16,-6-4 46 15,-2 0 53-15,-4-3 48 0,-3 7 50 0,-2-1 41 0,-3 3 56 16,-2 1 61-16,-4 4 80 0,-1 1 111 16,-3 6 84-16,2 5 124 0,-3 5 37 0,3 6 47 0,-1 3 40 15,-2 6 24-15,0 2 22 0,0 7-2 16,-1 3-45-16,1 6-57 0,3 3-74 0,1 3-126 0,3 2-185 15,1 0 0-15,6-1 0 0,1 0 0 0,1-1 0 0,2 0-173 16,1-2-281-16,6-1-100 0,0 0-177 16,1-4-187-16,4-3-777 0,-3-5-1370 0</inkml:trace>
   <inkml:trace contextRef="#ctx0" brushRef="#br0" timeOffset="22230.06">13347 16405 2177 0,'-6'21'1496'0,"1"4"-198"0,0 4-183 0,-1 0-166 0,4-1-153 16,-2-1-436-16,4-2-360 15,-1-2 0-15,2 1 0 0,-1-1 0 0,4 1 0 0,-2-2 0 16,4 1 0-16,0-3 0 0,-1 1 0 16,5-3 0-16,-1-5 0 0,0-1 0 0,1-4 0 0,-1-2 0 15,-9-6-526-15,22-6-42 0,-10-3 31 16,0-7-29-16,4-5 5 0,0-12 31 0,-2-4 8 0,-1-5-32 15,-1-8 35-15,3-10 48 0,-3-6 63 0,-2-4-42 0,-2-2 246 16,-4-3 76-16,3-1 36 0,-7 0 15 16,-3 3 22-16,-1 5 28 0,0 12 35 0,0 5 11 0,-7 3-4 15,4 6-3-15,1 1-2 0,-2 11 6 16,-1 2-15-16,3 8-64 0,2-2-125 0,0 6-202 0,0-1 155 16</inkml:trace>
   <inkml:trace contextRef="#ctx0" brushRef="#br0" timeOffset="23430.29">14554 15796 220 0,'-5'9'1071'0,"5"-2"-164"0,-3 6-99 0,-2 5-53 0,1 4-52 16,-2 8-53-16,0 4-62 0,0 6-32 16,-4 4-80-16,4 1-4 0,-2 2-64 0,2 1-63 0,-1-1-113 15,2 1-232-15,1-2 0 16,2-3 0-16,-3 0 0 0,4-9 0 0,0 0 0 0,-1-7 0 0,2-3 0 15,0-5 0-15,0-2 0 0,0-3 0 0,-1-1 0 0,1-1-431 16,1-1-51-16,2-6-90 16,-3-5-95-16,8 3-108 0,-8-3-890 0,11-13-1333 0</inkml:trace>
@@ -549,9 +549,9 @@
   <inkml:trace contextRef="#ctx0" brushRef="#br0" timeOffset="8900.23">14476 4624 526 0,'0'0'691'0,"1"-10"-135"0,-1 10-65 0,4-9-114 16,-4 9-39-16,0-9-59 0,0 9 0 0,1-6-21 0,-1 6 14 16,0 0-6-16,0-10-24 15,0 10-17-15,0 0 11 0,2-6-45 0,-2 6 1 0,0 0-6 0,0 0-2 16,0 0 0-16,0-7-2 16,0 7-9-16,0 0-11 0,0 0-15 0,0 0 5 0,-2 12-40 15,-3 1-13-15,0 9-19 0,-6 6-12 16,-4 11-11-16,-2 6-15 0,-5 9-13 0,-1 2-1 0,0 3-5 15,-2 1 8-15,2-1-17 0,-3-5 9 0,6-4-20 16,1-10-2-16,3-3-3 0,1-3-19 0,4-8-9 16,3-5-16-16,-1-3-25 0,3-2-19 0,2-2-28 0,2-5 3 15,0-3 22-15,2-6 13 0,0 0 8 16,0 0-15-16,8-11-23 0,-2-1 3 0,0-8-56 0,1-3-32 16,1-8-52-16,-2 0 2 15,-1-3-17-15,-1-3 42 0,-3 1 18 0,2 0 59 0,-3 2 22 0,-3 8 75 16,1-1 32-16,-1 9 76 0,-1 1 32 0,-1 2 31 0,-2 4 7 15,-3 7 48-15,10 4 34 16,-20 5 63-16,5 7 28 0,-2 6 8 0,-4 10-6 0,0 3-8 0,2 4-27 16,3 2-18-16,0 1-39 15,4-1-6-15,3-8-76 0,3 3 8 0,2-6-66 0,4 1 10 16,4-4-85-16,2-1 0 0,7-3 0 16,2-2-32-16,3-5-45 0,5-2-28 0,3-5-21 15,2 0 15-15,9-3 23 0,3-3 33 0,6 0-10 16,5-7-52-16,-1 1-133 0,3-4-123 0,-6 1-213 0,-1-4-244 15,0 1-869-15,-6 0-1377 0</inkml:trace>
   <inkml:trace contextRef="#ctx0" brushRef="#br0" timeOffset="62840.17">2216 15438 79 0,'0'0'357'15,"0"0"-67"-15,5-4-63 0,-5 4-9 0,0 0-55 0,0 0-6 0,0 0-37 16,6-4 17-16,-6 4-38 16,0 0-12-16,0 0-13 0,0 0-10 0,0 0-7 0,7-4-7 15,-7 4 10-15,0 0-13 0,0 0 8 16,0 0-1-16,0 0-3 0,3-6 0 0,-3 6 0 0,0 0-5 16,0 0-5-16,0 0 13 0,0 0-6 15,0 0-5-15,0 0 0 0,6-2 8 0,-6 2-7 0,0 0 9 16,0 0 5-16,0 0 5 0,0 0 3 0,0 0-4 0,3-7 7 15,-3 7 1-15,0 0-5 0,0 0-1 16,0 0 1-16,0 0-5 0,0 0-6 16,0 0 2-16,0 0-3 0,0 0-10 0,3-4 4 15,-3 4-2-15,0 0-6 0,0 0-3 0,0 0 3 0,0 0 1 0,0 0 1 16,0 0 8-16,0 0-1 16,0 0 6-16,0 0 2 0,0 0-3 0,0 0-2 0,0 0 7 15,0 0 35-15,0 0-28 0,0 0 14 16,0 0-27-16,0 0 12 0,0 0-30 0,0 0 19 0,0 0-22 15,0 0 17-15,0 0-13 0,0 0 26 0,0 0-14 0,0 0 7 16,0 0-14-16,0 0 10 0,0 0 4 16,0 0 7-16,0 0-14 0,0 0-8 0,0 0 13 0,0 0-14 15,0 0 2-15,0 0-10 0,-1 8 8 16,1-8-9-16,0 10 12 0,0-10-23 0,0 13 15 0,0-6-23 16,1 0 15-16,-1 2-25 0,0-3 31 15,0 2-28-15,0 0 18 0,0 1-20 0,0-2 18 16,0 2-21-16,0-4 31 0,0 2-32 0,0 1 27 0,0-8-24 0,0 12 19 15,0-12-23-15,0 10 30 0,0-10-53 16,1 9 56-16,-1-9-33 0,0 7 28 0,0-7-30 0,-1 7 31 16,1-7-36-16,0 0 33 15,0 9-26-15,0-9 29 0,0 0-24 0,0 0 31 0,0 6-30 0,0-6 36 16,0 0-40-16,0 0 32 16,0 0-36-16,0 8 31 0,0-8-36 0,0 0 33 0,0 0-33 15,0 0 33-15,0 0-34 0,0 0 31 16,0 0-32-16,-1 8 33 0,1-8-43 0,0 0 39 0,0 0-34 15,0 0 37-15,0 0-31 0,0 0 28 0,0 0-32 0,0 0 36 16,0 0-34-16,0 0 32 0,0 0-34 16,0 0 33-16,0 0-31 0,0 0 32 0,0 0-27 0,0 0 22 15,0 0-32-15,0 0 36 0,0 0-31 16,0 0 31-16,0 0-37 0,0 0 40 0,0 0-38 0,0 0 36 16,0 0-33-16,0 0 34 0,0 0-36 15,0 0 37-15,0 0-36 0,0 0 32 0,0 0-39 0,0 0 42 16,0 0-35-16,0 0 34 0,0 0-39 0,0 0 42 0,0 0-39 15,0 0 36-15,0 0-41 16,0 0 41-16,0 0-33 0,0 0 33 0,0 0-34 0,0 0 34 0,0 0-35 16,0 0 42-16,0 0-46 15,0 0 40-15,0 0-34 0,0 0 31 0,0 0-33 16,0 0 32-16,0 0-33 0,0 0 33 0,0 0-37 16,0 0 44-16,0 0-34 0,0 0 26 0,0 0-32 0,0 0 36 15,0 0-32-15,0 0 29 0,0 0-31 16,0 0 36-16,0 0-39 0,0 0 34 0,0 0-32 0,0 0 36 15,0 0-36-15,0 0 33 0,0 0-35 0,0 0 36 0,0 0-31 16,0 0 30-16,0 0-39 0,0 0 46 16,0 0-10-16,0 0-32 0,1 6 27 0,-1-6-27 0,0 0 34 15,0 0-41-15,0 0 48 0,0 0-10 16,0 0-31-16,0 0 33 0,0 0-33 0,0 0 37 0,0 0-38 16,0 0 40-16,0 0-36 15,0 0 30-15,0 0-33 0,0 0 37 0,0 0-42 0,0 0 38 0,0 0-32 16,0 0 32-16,0 0-31 0,0 0 34 0,0 0-31 0,0 0 31 15,0 0-31-15,0 0 28 16,0 0-34-16,0 0 34 0,0 0-32 0,0 0 29 0,0 0-28 0,0 0 34 16,0 0-43-16,0 0 35 15,0 0-33-15,0 0 29 0,0 0-33 0,0 0 34 0,0 0-30 16,0 0 33-16,0 0-28 0,0 0 26 16,0 0-23-16,0 0 26 0,0 0-29 0,0 0 31 0,0 0-29 15,0 0 27-15,0 0-26 0,0 0 27 16,0 0-30-16,0 0 39 0,0 0-37 0,0 0 29 0,0 0-26 15,0 0 28-15,0 0-35 0,0 0 41 0,0 0-35 0,0 0 27 16,0 0-28-16,0 0 28 0,0 0-26 16,0 0 30-16,0 0-29 0,0 0 27 0,0 0-29 0,0 0 27 15,0 0-27-15,0 0 29 0,0 0-40 16,0 0 48-16,0 0-37 0,0 0 28 0,0 0-28 16,0 0 28-16,0 0-28 0,0 0 30 15,0 0-27-15,0 0 23 0,0 0-30 0,0 0 31 0,0 0-30 0,0 0 30 16,0 0-30-16,0 0 27 0,0 0-30 0,0 0 26 0,0 0-22 15,0 0 20-15,0 0-25 16,0 0 34-16,0 0-30 0,0 0 24 0,0 0-26 0,0 0 26 0,0 0-26 16,0 0 25-16,0 0-22 15,0 0 21-15,0 0-20 0,0 0 38 0,0 0-26 16,0 0-24-16,0 0 29 0,0 0-20 0,0 0 19 16,0 0-18-16,0 0 19 0,0 0-15 0,0 0 19 0,6 2-21 15,-6-2 23-15,7 3-13 0,-7-3 18 16,12 4-22-16,-12-4 18 0,15 5-36 0,-3 0 47 0,-2-2-25 15,3 2 17-15,3 0-19 0,-1 0 20 0,3 0-27 0,3 1 37 16,2-2-32-16,0 2 17 0,1 1-16 16,2-4 18-16,0 0-24 0,-1 1 19 0,2-1-24 0,-1 0 20 15,1 0-12-15,0-3 16 16,-5 2-17-16,1-2 23 0,-1 0-27 0,-2 0 34 0,1 0-25 0,-3 0 16 16,-2 0-13-16,-1 0 14 15,-1 0-17-15,-2 0 18 0,-12 0-19 0,18-2 28 0,-18 2-7 16,18 0 51-16,-18 0-17 0,15 0-29 0,-15 0 46 0,0 0-42 0,16 0 29 15,-16 0-35-15,0 0 23 16,12 0-35-16,-12 0 36 0,0 0-40 0,0 0 29 0,13 0-37 16,-13 0 33-16,0 0-33 0,0 0 29 15,0 0-36-15,0 0 37 0,14-2-8 0,-14 2-35 0,0 0 35 16,0 0-32-16,0 0 36 0,0 0-38 16,0 0 37-16,0 0-35 0,0 0 35 0,11 0-33 0,-11 0 37 15,0 0-43-15,0 0 41 0,0 0-8 16,0 0-38-16,0 0 41 0,0 0-36 0,0 0 34 0,0 0-43 15,0 0 44-15,0 0-42 0,0 0 38 0,0 0-34 0,0 0 32 16,0 0-30-16,0 0 32 0,0 0-37 16,0 0 32-16,0 0-29 0,0 0 28 0,0 0-29 0,0 0 33 15,0 0-30-15,0 0 31 16,0 0-31-16,0 0 29 0,0 0-26 0,0 0 28 0,0 0-27 0,0 0 35 16,0 0-28-16,0 0 27 15,0 0-26-15,0 0 26 0,0 0-30 0,0 0 27 0,0 0-25 16,0 0 34-16,0 0-33 0,0 0 25 0,0 0-29 0,0 0 31 0,0 0-34 15,0 0 37-15,0 0-37 16,0 0 26-16,0 0-23 0,0 0 26 0,0 0-34 0,0 0 40 16,11 2-35-16,-11-2 30 0,0 0-33 15,0 0 24-15,0 0-22 0,0 0 31 0,0 0-35 16,0 0 31-16,0 0-23 0,0 0 22 0,8 2-19 16,-8-2 32-16,0 0-31 0,12 2 45 0,-12-2-31 0,11 2-18 15,-11-2 34-15,16 1-29 0,-5 0 34 16,1 0-29-16,2 0 29 0,-1-1-31 0,2 1 24 0,1-1-24 15,3 1 23-15,1-1-28 0,1-1 38 0,0 0-36 0,1 1 27 16,-3-2-28-16,2 0 27 0,1 0-30 16,-1 2 29-16,-2-4-25 0,0 2 24 0,-1 1-27 0,-5-2 22 15,1 2-23-15,-1 0 27 16,-2 0-23-16,-11 1 32 0,16-2-27 0,-16 2 33 0,17-2-23 0,-17 2 42 16,10-1-35-16,-10 1 51 0,11 0-33 0,-11 0 29 15,0 0-37-15,12-2 26 0,-12 2-42 16,0 0 32-16,0 0-38 0,0 0 30 0,0 0-35 0,0 0 32 0,0 0-40 15,0 0 36-15,0 0-41 16,0 0 34-16,0 0-41 0,0 0 39 0,0 0-40 0,0 0 33 16,0 0-30-16,0 0 37 0,0 0-34 15,0 0 31-15,9-2-29 0,-9 2 33 0,0 0-34 0,0 0 45 16,0 0-44-16,0 0 33 0,0 0-31 16,0 0 31-16,0 0-31 0,0 0 36 0,0 0-49 0,0 0 52 15,0 0-37-15,0 0 37 16,0 0-37-16,0 0 37 0,0 0-39 0,0 0 38 0,0 0-32 0,0 0 35 15,0 0-34-15,0 0 34 0,0 0-34 0,0 0 38 0,0 0-38 16,0 0 33-16,0 0-33 16,0 0 30-16,-8-5-53 0,8 5 42 0,-1-8-37 0,1 8 35 0,-3-12-41 15,-1 5 31-15,4-4-33 16,-4 1 8-16,3-2-30 0,-1-1 30 0,0-1-26 0,-4-1 12 16,5 1-14-16,-2 0 1 0,-2-1 6 15,2 1 10-15,-1 1 4 0,1 2 19 0,1-1 2 0,-2 3 6 16,1 0 1-16,0 2-5 0,3 0-4 0,-4 0-13 0,3 2-8 15,1 5 8-15,-4-12 2 0,4 12-8 16,-3-8-23-16,3 8 8 0,-3-7-31 0,3 7 10 0,-2-5-14 16,2 5 14-16,0 0-25 0,0 0 12 15,-2-7-22-15,2 7 6 0,0 0-36 0,0 0-14 16,0 0-55-16,0 0-47 0,0 0-32 0,0 0-91 16,0 0-111-16,0 0-412 0,0 0-464 0</inkml:trace>
   <inkml:trace contextRef="#ctx0" brushRef="#br0" timeOffset="74989.77">3513 15535 46 0,'0'0'124'0,"0"0"13"0,-13-3-33 0,13 3-21 16,0 0-24-16,-10-2-2 0,10 2-18 0,0 0 0 0,-8-5-12 15,8 5-17-15,-5-6 22 16,5 6-3-16,-4-6-11 0,4 6 7 0,-7-5 3 0,7 5 17 0,-5-8 8 16,5 8 5-16,-6-6-5 15,6 6-7-15,-6-10-3 0,6 10-3 0,-3-8 0 0,3 8-7 16,-7-7 7-16,7 7-2 0,-4-7 7 16,4 7-15-16,-3-7-6 0,3 7-15 0,-4-9-17 0,4 9-16 15,-5-9-13-15,5 9-3 0,-4-7-1 16,4 7 6-16,-4-7 3 0,4 7 9 0,-4-5 13 0,4 5-22 15,-8-5 10-15,8 5 0 0,0 0 15 0,-7-4-1 0,7 4 7 16,0 0 0-16,-8-4 7 0,8 4 10 16,0 0 2-16,0 0 3 0,-12-1 1 0,12 1-8 15,0 0-1-15,0 0-7 0,-10-4 0 16,10 4-13-16,0 0-10 0,0 0 2 0,0 0-14 0,0 0 2 0,-10 1-17 16,10-1 2-16,0 0-31 15,0 0-1-15,0 0-34 0,0 0-10 0,0 0 16 0,0 0-80 16,0 0 51-16</inkml:trace>
-  <inkml:trace contextRef="#ctx0" brushRef="#br0" timeOffset="75439.99">3498 15443 141 0,'-8'4'186'0,"8"-4"-30"0,-4 5-26 0,4-5-17 0,-4 5-17 16,4-5-4-16,-5 9 7 16,5-9-1-16,-3 9 0 0,2-3-20 0,-2 0 2 0,-1 1-20 0,1-2 2 15,1 3-21-15,0-3 2 16,-2 2-7-16,3 0 2 0,-4-1-19 0,3 0 5 0,-2 1-17 15,3-2-2-15,-2 0-24 0,3-5 2 0,-5 10-15 0,5-10-12 0,-3 8-13 16,3-8 5-16,-4 6 5 16,4-6 2-16,0 0-11 0,-4 8-14 0,4-8-15 15,0 0-60-15,0 0-179 0,-6 3 216 0</inkml:trace>
+  <inkml:trace contextRef="#ctx0" brushRef="#br0" timeOffset="75439.98">3498 15443 141 0,'-8'4'186'0,"8"-4"-30"0,-4 5-26 0,4-5-17 0,-4 5-17 16,4-5-4-16,-5 9 7 16,5-9-1-16,-3 9 0 0,2-3-20 0,-2 0 2 0,-1 1-20 0,1-2 2 15,1 3-21-15,0-3 2 16,-2 2-7-16,3 0 2 0,-4-1-19 0,3 0 5 0,-2 1-17 15,3-2-2-15,-2 0-24 0,3-5 2 0,-5 10-15 0,5-10-12 0,-3 8-13 16,3-8 5-16,-4 6 5 16,4-6 2-16,0 0-11 0,-4 8-14 0,4-8-15 15,0 0-60-15,0 0-179 0,-6 3 216 0</inkml:trace>
   <inkml:trace contextRef="#ctx0" brushRef="#br0" timeOffset="76450.19">3554 15694 94 0,'0'0'478'0,"0"0"-135"0,0 0-14 0,0 0-103 0,0 0 11 0,5-4-23 16,-5 4-37-16,0 0-21 0,0 0-27 0,0 0-30 0,0 0-21 15,-4-7-10-15,4 7-17 16,0 0-19-16,-1-5-6 0,1 5 8 0,0 0-8 0,-6-7-7 0,6 7 1 16,-5-4 3-16,5 4-12 15,-3-5 42-15,3 5 12 0,0 0 9 0,-5-7 8 0,5 7-8 16,0 0 1-16,-4-5-3 0,4 5-11 16,0 0-4-16,-4-6-1 0,4 6-5 0,0 0 0 0,0 0 12 15,0 0 5-15,0 0-1 0,0 0-5 16,-4-4-4-16,4 4-8 0,0 0-14 0,0 0-4 0,0 0-3 15,-3 10-8-15,3-10 9 0,-1 13 4 0,1-3-2 0,0 0-6 16,-3 1 17-16,3 1 15 0,0 1-9 16,0 0 2-16,0-1 0 0,0 0 5 0,0 0-1 15,0-1-3-15,0 0 4 0,0-1 15 0,0-2-31 16,0 2 13-16,0-2-30 0,0-1 11 0,0 1-26 0,0-1 15 16,0-7-14-16,0 12 14 15,0-12-16-15,0 9 25 0,0-9-25 0,0 9 23 0,0-9-14 0,0 8 25 16,0-8-9-16,0 0 17 0,0 8-19 0,0-8 6 0,0 0-25 15,3 6 12-15,-3-6-11 16,0 0 16-16,6 5-17 0,-6-5 15 0,7 1-18 0,-7-1 12 16,16 5-14-16,-16-5 8 0,18 3-14 15,-9 1 12-15,3-4-16 0,1 2 7 0,-1 0-5 0,2-1 3 16,0 0-3-16,1 0 12 0,1-1-12 16,0 1 14-16,-1-1-20 0,3 0 14 0,-4 0-9 0,6-1 14 15,-2 0-11-15,0-1 12 0,-2 0-14 16,-1 0 8-16,-2 2-10 0,2-4 15 0,-3 2-14 15,0 0 15-15,0 0-15 0,-4 0 13 0,-8 2-8 0,14-2 17 0,-14 2 12 16,16-2 1-16,-16 2 16 0,8-2-15 16,-8 2 23-16,11 0-14 0,-11 0 21 0,0 0-27 0,12-4 23 15,-12 4-35-15,0 0 38 16,0 0-30-16,12-2 19 0,-12 2-40 0,0 0 18 0,0 0-39 0,6-4 18 16,-6 4-46-16,0 0 39 15,0 0-31-15,0 0 27 0,6-4-29 0,-6 4 17 0,0 0-21 16,2-9 18-16,-2 9-18 0,0-9 20 0,0 9-17 0,1-13 5 0,-1 6-7 15,0-1-4-15,2-2-5 16,-2-3-26-16,1-2-4 0,-1 0-15 0,2-3-5 0,1-1-3 16,-2-5-4-16,2 1-12 0,-3-2 5 15,3 0 2-15,0 1 43 0,-2 0-6 0,2 1 33 0,-1 2-7 16,0 3 26-16,-1 1-1 0,2-1 37 16,-2 6-11-16,2-1 37 0,-3 3-15 0,2 0 22 15,-2 2-33-15,0 0 23 0,2 3-21 0,-2-1 18 16,0 6-27-16,0 0 17 0,-2-7-25 0,2 7 15 0,0 0-23 15,-2 8 21-15,2-8-22 0,-4 10 20 0,4-10-25 16,-3 11-8-16,2-5-32 0,1-6-51 0,-2 10-50 16,2-10-58-16,-2 10-70 0,2-10-34 0,-2 8-62 15,2-8-67-15,0 7-107 0,0-7-245 16,0 0-320-16</inkml:trace>
-  <inkml:trace contextRef="#ctx0" brushRef="#br0" timeOffset="77370.44">2227 16110 331 0,'0'0'780'16,"-6"6"-143"-16,2 1-67 0,2 1-86 16,-1 5-35-16,3 2-15 0,-1 2-4 0,-2 3-17 0,3 2 6 15,0 2-34-15,0 4-18 16,0-2-36-16,0 2-49 0,0 0-50 0,3 0-28 0,-3 0-40 0,1 0-26 15,-1-2-23-15,0-2-21 0,0-4-18 0,0-2-20 0,3 0-11 16,-3-2-11-16,1-2-7 16,0-1-8-16,1-4-12 0,-1 2-9 0,-1-4-30 0,1 0-29 15,-1-7-14-15,2 12-18 0,-2-12-7 16,0 0-15-16,0 0-24 0,11-4-33 0,-6-4-27 0,-1-5-27 16,2-3-11-16,0-5-11 0,0-8-21 15,0-5 2-15,1-4-21 0,-1-6 25 0,0 0 21 0,2-2 25 16,1 0 19-16,1-1 34 0,-2 1 37 0,3 1 23 15,0-1 23-15,1 4 23 0,4 0 24 0,-4 3 18 16,5 7 13-16,-3 1 24 0,0 3 22 0,-2 4 22 16,0 6 27-16,-1 0 13 0,1 4-11 0,-1 3-2 15,-2 3-16-15,-1 3 24 0,2 1 24 0,-10 4 34 0,13 0 19 16,-13 0 18-16,15 8-7 16,-11-2 34-16,0 2-21 0,0 1 48 0,-3 2-34 0,-1 3 49 0,-1 1-32 15,-2 2 9-15,0 3 10 16,-3 2-15-16,-3-2-2 0,-1 5-34 0,-2-1-30 15,3 1-29-15,-6-3-22 0,3-2-28 0,1-1-16 0,3-2-48 0,-2-4-27 0,1 0 0 16,3-3 0-16,1 0 0 16,-2-2-26-16,3 0-142 0,2-2-43 0,2-6-37 0,-4 8-35 15,4-8-17-15,0 0 21 0,0 0 26 16,10-3 4-16,-1 0 41 0,-2 0 10 0,2 0 55 0,3 2 7 16,0 0 28-16,0 0 24 0,0 3 24 15,4 0 18-15,-1 3 14 0,-1 1 28 0,3 5 58 0,-3 2 44 16,-1 2 28-16,1 2 47 0,-5 2 59 0,-1 2 39 0,2 2 56 15,-8 2 72-15,5 1-61 0,-7 1 75 16,3 1-13-16,-6 1-255 0,3-1-149 0,-4 2 0 0,1-3 0 16,1-1 0-16,-4 1 0 0,1-5 0 15,1 3 0-15,1-5 0 0,-1-2 0 0,-1-2 0 0,3-2 0 16,1-1 0-16,0-4 0 0,1 1 0 16,2-1 0-16,1-1 0 0,5-4-338 0,-1 0-325 0,4-3-107 15,2-2-70-15,2-1-108 0,3-3-522 16,3 0-1091-16</inkml:trace>
+  <inkml:trace contextRef="#ctx0" brushRef="#br0" timeOffset="77370.43">2227 16110 331 0,'0'0'780'16,"-6"6"-143"-16,2 1-67 0,2 1-86 16,-1 5-35-16,3 2-15 0,-1 2-4 0,-2 3-17 0,3 2 6 15,0 2-34-15,0 4-18 16,0-2-36-16,0 2-49 0,0 0-50 0,3 0-28 0,-3 0-40 0,1 0-26 15,-1-2-23-15,0-2-21 0,0-4-18 0,0-2-20 0,3 0-11 16,-3-2-11-16,1-2-7 16,0-1-8-16,1-4-12 0,-1 2-9 0,-1-4-30 0,1 0-29 15,-1-7-14-15,2 12-18 0,-2-12-7 16,0 0-15-16,0 0-24 0,11-4-33 0,-6-4-27 0,-1-5-27 16,2-3-11-16,0-5-11 0,0-8-21 15,0-5 2-15,1-4-21 0,-1-6 25 0,0 0 21 0,2-2 25 16,1 0 19-16,1-1 34 0,-2 1 37 0,3 1 23 15,0-1 23-15,1 4 23 0,4 0 24 0,-4 3 18 16,5 7 13-16,-3 1 24 0,0 3 22 0,-2 4 22 16,0 6 27-16,-1 0 13 0,1 4-11 0,-1 3-2 15,-2 3-16-15,-1 3 24 0,2 1 24 0,-10 4 34 0,13 0 19 16,-13 0 18-16,15 8-7 16,-11-2 34-16,0 2-21 0,0 1 48 0,-3 2-34 0,-1 3 49 0,-1 1-32 15,-2 2 9-15,0 3 10 16,-3 2-15-16,-3-2-2 0,-1 5-34 0,-2-1-30 15,3 1-29-15,-6-3-22 0,3-2-28 0,1-1-16 0,3-2-48 0,-2-4-27 0,1 0 0 16,3-3 0-16,1 0 0 16,-2-2-26-16,3 0-142 0,2-2-43 0,2-6-37 0,-4 8-35 15,4-8-17-15,0 0 21 0,0 0 26 16,10-3 4-16,-1 0 41 0,-2 0 10 0,2 0 55 0,3 2 7 16,0 0 28-16,0 0 24 0,0 3 24 15,4 0 18-15,-1 3 14 0,-1 1 28 0,3 5 58 0,-3 2 44 16,-1 2 28-16,1 2 47 0,-5 2 59 0,-1 2 39 0,2 2 56 15,-8 2 72-15,5 1-61 0,-7 1 75 16,3 1-13-16,-6 1-255 0,3-1-149 0,-4 2 0 0,1-3 0 16,1-1 0-16,-4 1 0 0,1-5 0 15,1 3 0-15,1-5 0 0,-1-2 0 0,-1-2 0 0,3-2 0 16,1-1 0-16,0-4 0 0,1 1 0 16,2-1 0-16,1-1 0 0,5-4-338 0,-1 0-325 0,4-3-107 15,2-2-70-15,2-1-108 0,3-3-522 16,3 0-1091-16</inkml:trace>
   <inkml:trace contextRef="#ctx0" brushRef="#br0" timeOffset="77797.81">3895 16141 296 0,'0'0'663'0,"1"-8"-157"0,-1 8-115 0,0 0-81 0,4-7-48 16,-4 7-26-16,7-4 8 0,-7 4 21 16,8-6 4-16,-8 6 6 0,12-6-46 0,-12 6-12 0,13-5-46 15,-13 5-21-15,11-5-2 16,-11 5 19-16,11-2-5 0,-11 2 17 0,11-4 54 15,-11 4 10-15,0 0 87 0,11 4-4 0,-6 1 88 0,-4 2-65 0,2 4 1 0,-3 3-6 16,0 4 13-16,-4 7-252 16,-1 5-105-16,-1 10 0 0,-3 1 0 0,0 2 0 0,-1 0 0 15,-1 2 0-15,-1-1 0 0,0-2 0 16,1 0 0-16,2-3 0 0,-1-3 0 0,1-7 0 0,1-2 0 16,1-5 0-16,4-2 0 0,-3-4 0 15,3-2 0-15,0-3 0 0,-1 1 0 0,2-2-35 0,0-3-463 16,2-7-14-16,-2 8 8 0,2-8 1 0,0 0-7 0,2-9-6 0,0-1 39 15,0-4-24-15,2-4 0 16,-1-4 9-16,0-5 13 0,-2-4-3 0,4-3-209 0,-2-2-198 0</inkml:trace>
   <inkml:trace contextRef="#ctx0" brushRef="#br0" timeOffset="78100.34">3892 16324 868 0,'5'-24'436'16,"1"2"-39"-16,-2 2 8 0,2 5 6 16,0 3 22-16,2 5 25 0,0 2 25 0,-8 5 38 0,19 1-44 15,-5 5 32-15,-2 4-73 0,1 5 28 16,6 5-127-16,-3 3 48 0,3 9-137 0,-1 0 35 0,-1 3-132 15,1 2 44-15,-4-1-111 0,0-3-14 0,-2-4-13 0,-1-2-13 16,0-2-9-16,-6-4-31 0,3 0-4 16,-4-5 0-16,0 1-44 0,-2-2-70 0,-1-1 19 15,-1-1-100-15,0-2-32 0,-3-1-98 0,0-2-33 16,3-8-2-16,-9 5-48 0,9-5-23 0,-12-1 0 0,4-6 8 16,-3-3-21-16,-1-6 37 15,0-3-25-15,-3-5 9 0,3-4 42 0,-3-4 66 0,4 2 62 0,3 0 74 16,0 0 75-16,5 3 45 0,2 1 54 0,2 1 35 0,4 0 70 15,1-3 5-15,5 1 72 16,5 2 7-16,0 0 8 0,2 4-9 0,5 0-14 0,-3 2-14 0,4 2-13 16,3 0-45-16,4 0-13 15,-1 3-19-15,-2 2-43 0,1 2-34 0,3-2-45 16,-2 4-41-16,-1 0-63 0,1 0-79 0,-6 2-75 16,3 2-96-16,0-1-283 0,-3-1-200 0</inkml:trace>
   <inkml:trace contextRef="#ctx0" brushRef="#br0" timeOffset="81500.14">4236 15371 46 0,'0'0'382'0,"0"0"-61"0,-12-1-34 16,12 1-31-16,0 0-38 0,0 0-17 16,0 0-36-16,0 0 4 0,-10-1-13 0,10 1-4 15,0 0-12-15,0 0-20 0,0 0 17 16,0 0-9-16,0 0 13 0,0 0-6 0,0 0 17 0,0 0-9 0,0 0 23 16,0 0-5-16,0 0 15 15,0 0 0-15,-8 6 37 0,8-6-23 0,0 13 13 0,0 0-25 16,0 1-25-16,2 3-6 0,0 1-20 0,0 2 0 0,0 2-35 0,0-1 12 15,0 2-42-15,1-4 34 16,0 1-62-16,-1-2 16 0,1-1-32 0,1-2 20 0,-4 2-34 16,3-4 25-16,1-1-32 0,-1-1 25 15,-1-2-28-15,0 2 23 0,-1-5-24 0,2 2 24 0,-1-2-23 16,2-1 18-16,-4-5-24 0,6 9 26 16,-6-9-25-16,10 5 24 0,-10-5-29 0,13 1 34 0,-13-1-29 15,16-1 25-15,-5-2-26 0,1 1 27 16,-1 0-25-16,3-2 26 0,1 0-25 0,0 1 24 15,4-2-28-15,1 1 30 0,-2 0-28 0,6 0 10 0,-2 0-10 0,2 0 30 16,0-2-33-16,1 2 28 0,0 0-22 16,-1-1 18-16,2-1-29 0,-3 0 35 0,-1 3-30 0,-2-2 20 15,-1 1-23-15,-2 1 23 16,0-1-22-16,-2 0 24 0,0 2-24 0,-4 1 31 0,-2-2-28 0,1 1 32 16,-10 2-17-16,16-2 49 15,-16 2-32-15,12-2 43 0,-12 2-33 0,11-3 43 0,-11 3-31 16,0 0 31-16,12 0-53 0,-12 0 32 0,0 0-42 0,0 0 32 0,11 4-41 15,-11-4 30-15,0 0-40 16,0 0 38-16,0 0-38 0,4 4 29 0,-4-4-35 0,0 0 35 16,0 0-37-16,0 0 37 0,0 0-36 15,4 5 38-15,-4-5-38 0,0 0 34 0,0 0-30 0,0 0 34 16,0 0-39-16,0 0 36 0,0 0-39 16,0 0 34-16,0 0-44 0,0 0 27 0,0 0-48 0,0 0 29 15,7-7-37-15,-7 1 9 0,1-3-44 16,1-1-3-16,0-2-1 0,1-4-20 0,-2-1 7 0,3-1-30 15,-2-4 8-15,-1 0-19 0,0-3 18 0,3 1-18 16,-1-1 21-16,-3 0-11 0,0 0 29 16,0-1 2-16,0 6 40 0,-3-1 6 0,3 5 33 15,0 0-9-15,-2 2 17 0,0 3-31 0,1 0 0 16,0 1-32-16,-1 3 16 0,2 7-19 0,-8-10-8 0,8 10-24 16,0 0-29-16,0 0-30 0,-8 4-104 15,8-4-37-15,-4 8-98 0,4-8-348 0,-4 11-285 0</inkml:trace>
@@ -601,9 +601,9 @@
     </inkml:brush>
   </inkml:definitions>
   <inkml:trace contextRef="#ctx0" brushRef="#br0">4015 7677 485 0,'0'0'615'0,"0"0"-100"0,-10 5-65 0,10-5-44 15,0 0-67-15,-9 1-1 16,9-1-40-16,0 0 2 0,0 0-43 0,-12 3-9 0,12-3-37 0,0 0-38 16,0 0-15-16,0 0-10 15,0 0-14-15,0 0-18 0,-12-1-4 0,12 1-1 0,0 0-1 16,0 0-4-16,-6-7 2 0,6 7 2 0,0 0-2 0,-4-7 6 0,4 7-13 15,-4-7-15-15,4 7-16 16,-4-11-12-16,4 11-14 0,-3-13 9 0,2 6-30 0,-3-5 10 16,3 3-32-16,-1-6-10 0,1-1-22 15,0-3-25-15,1 0-13 0,0-3-24 0,0-3-18 0,1-1 1 16,0 0-3-16,-1-3 31 0,0 4 3 16,0 2 19-16,0 1 8 0,0 2 24 0,0 2-6 0,-1 1 19 15,0 5-2-15,0-2 25 0,0 5-5 16,-3-1 8-16,0 4-4 0,4 6 2 0,-7-4-6 0,7 4 3 15,-13 5-3-15,5 4-1 0,-2 2 1 0,2 2 4 16,-3-1-1-16,1 3 4 0,2 0 6 0,0 0-22 16,0-3 10-16,1 0 12 0,-1 2 0 0,3-5-1 0,0 1-2 15,1-3-11-15,0 1 3 16,3-3 3-16,1-5 5 0,0 0-2 0,0 0-4 0,0 0-18 0,0 0-22 16,9-7 4-16,-3-1-8 15,0-2-7-15,3-2 9 0,-3-1-17 0,4-3 22 0,-1 3-9 16,-1 0 19-16,-1 0-6 0,2 1 19 0,1 1-14 0,-2-1 15 0,-3 6-11 15,2 0 36-15,1 1 11 16,-8 5 25-16,12-3 12 0,-12 3-1 0,15 8 1 0,-11-2-7 16,4 2 0-16,-1 3-11 0,2 3-14 15,-3-3-19-15,3 2 15 0,-2 1-7 0,1-1-15 0,3-1-24 16,0 0-65-16,-2-2-99 0,6 0-117 16,-4-2-144-16,6 0-159 0,-5-2-784 0,7-3-983 15</inkml:trace>
-  <inkml:trace contextRef="#ctx0" brushRef="#br0" timeOffset="970.34">6372 7689 4 0,'-10'6'392'0,"1"-1"-87"0,-1-1-38 0,2 0-79 16,-1 0 23-16,-2 2-58 16,3 0 22-16,-3-1-37 0,1-1 27 0,3 3-28 0,-2-1 10 15,0-2-29-15,2 2-18 0,-1 0 7 16,1-3-12-16,1 0 10 0,6-3-6 0,-10 8 8 0,10-8-6 16,-8 6 6-16,8-6-4 0,-9 4 28 15,9-4 4-15,-4 4 39 0,4-4-3 0,0 0 40 0,-9 5-3 16,9-5-32-16,0 0 14 0,0 0-20 0,0 0-32 0,-9-6-20 15,9 6-25-15,1-13-38 0,1 2 13 16,0-1 21-16,2-3-50 0,-2-1 24 0,6-3-46 0,-5-2 15 16,2-3-57-16,3 0-30 15,-1-3-20-15,0-2-13 0,2-3-15 0,-2 3-22 0,2-4 23 0,-3 2-18 16,0 1 33-16,0 0-6 16,-1 6 24-16,-1-2-14 0,2 4 28 0,-2 0-7 0,0 5 26 15,0 2-8-15,-3 0 23 0,2 3-13 16,-1 3 15-16,1-1-11 0,-2 4 41 0,-1 6 1 0,2-8 58 15,-2 8-13-15,0 0 25 0,5 4-21 0,-6 4 19 0,-3 1-21 16,2 3 23-16,-2 3-3 0,-1-1 1 16,-2 2 7-16,1 2 0 0,-3 0 2 0,3-3 34 0,0 1-43 15,0-3 30-15,0-3-57 0,3 0 26 16,0-3-51-16,0-2 24 0,3-5-54 0,-1 10 20 0,1-10-46 16,0 0-26-16,10-5-26 0,-3-3-15 15,1-1-8-15,4-4-24 0,-2 0 15 0,3-3-28 0,1 1 11 16,-5 0-16-16,3-1 37 15,-2 4 7-15,-1 2 29 0,-2 2-10 0,-2 2 44 0,-5 6 39 0,12-3 54 16,-12 3-10-16,7 14 9 0,-7-4-27 0,0 5 11 16,0 4-13-16,0 1-34 0,-3 4-49 15,3 4-62-15,-2-2-94 0,0 4-90 0,0-4-240 0,2 3-496 0,-2-5-654 16</inkml:trace>
+  <inkml:trace contextRef="#ctx0" brushRef="#br0" timeOffset="970.33">6372 7689 4 0,'-10'6'392'0,"1"-1"-87"0,-1-1-38 0,2 0-79 16,-1 0 23-16,-2 2-58 16,3 0 22-16,-3-1-37 0,1-1 27 0,3 3-28 0,-2-1 10 15,0-2-29-15,2 2-18 0,-1 0 7 16,1-3-12-16,1 0 10 0,6-3-6 0,-10 8 8 0,10-8-6 16,-8 6 6-16,8-6-4 0,-9 4 28 15,9-4 4-15,-4 4 39 0,4-4-3 0,0 0 40 0,-9 5-3 16,9-5-32-16,0 0 14 0,0 0-20 0,0 0-32 0,-9-6-20 15,9 6-25-15,1-13-38 0,1 2 13 16,0-1 21-16,2-3-50 0,-2-1 24 0,6-3-46 0,-5-2 15 16,2-3-57-16,3 0-30 15,-1-3-20-15,0-2-13 0,2-3-15 0,-2 3-22 0,2-4 23 0,-3 2-18 16,0 1 33-16,0 0-6 16,-1 6 24-16,-1-2-14 0,2 4 28 0,-2 0-7 0,0 5 26 15,0 2-8-15,-3 0 23 0,2 3-13 16,-1 3 15-16,1-1-11 0,-2 4 41 0,-1 6 1 0,2-8 58 15,-2 8-13-15,0 0 25 0,5 4-21 0,-6 4 19 0,-3 1-21 16,2 3 23-16,-2 3-3 0,-1-1 1 16,-2 2 7-16,1 2 0 0,-3 0 2 0,3-3 34 0,0 1-43 15,0-3 30-15,0-3-57 0,3 0 26 16,0-3-51-16,0-2 24 0,3-5-54 0,-1 10 20 0,1-10-46 16,0 0-26-16,10-5-26 0,-3-3-15 15,1-1-8-15,4-4-24 0,-2 0 15 0,3-3-28 0,1 1 11 16,-5 0-16-16,3-1 37 15,-2 4 7-15,-1 2 29 0,-2 2-10 0,-2 2 44 0,-5 6 39 0,12-3 54 16,-12 3-10-16,7 14 9 0,-7-4-27 0,0 5 11 16,0 4-13-16,0 1-34 0,-3 4-49 15,3 4-62-15,-2-2-94 0,0 4-90 0,0-4-240 0,2 3-496 0,-2-5-654 16</inkml:trace>
   <inkml:trace contextRef="#ctx0" brushRef="#br0" timeOffset="2230.19">8409 7776 180 0,'0'0'800'16,"0"0"-121"-16,-2 8-104 0,2-8-61 0,-4 8-55 0,4-8-39 16,-8 8-34-16,8-8-26 15,-8 5-7-15,8-5-53 0,-9 9-9 0,9-9-64 0,-10 5-26 0,10-5-32 16,-7 4-28-16,7-4-21 0,-6 4-19 16,6-4-29-16,0 0 0 0,-8 3-48 0,8-3-34 0,0 0 10 15,-3-7-35-15,3 7 12 0,3-13-38 16,2 5 19-16,2-5-46 0,-1-1 45 0,3-3-50 0,0-1 27 15,3-7-26-15,3 0-46 0,-1-1-16 0,4-6-15 0,-3-3-22 16,4 0-8-16,0 0 28 0,-3-3-8 16,0 2 23-16,-1 0 5 0,0 0 25 0,-4 7 17 0,-2 4 38 15,1 3 22-15,-5 2 57 16,-1 7 5-16,1-1 24 0,-3 2-16 0,-2 5 21 0,0 0-7 0,0 7 25 16,-11-4-8-16,11 4 19 15,-14 9-29-15,4-2 12 0,-4 6-2 0,-2 2 1 0,3-2-4 16,-5 7-1-16,2 0 6 0,-3-2-6 0,5-2 0 0,3-2 3 0,-2 0-10 15,3-4-14-15,4-1-3 16,-1-2-2-16,5-1-6 0,2-6-30 0,0 0-45 0,0 0-56 16,15-2-61-16,-3-4-67 0,4-5-37 15,3 0-20-15,4-5-46 0,2 2 17 0,-2-2 4 0,3 4 10 16,2-3-5-16,-5 4-18 0,-3 4-236 16,-1 3-87-16</inkml:trace>
-  <inkml:trace contextRef="#ctx0" brushRef="#br0" timeOffset="40920.29">10786 7621 471 0,'-10'4'421'15,"10"-4"-38"-15,-8 3-91 0,8-3-20 0,-7 3-33 0,7-3-26 16,-9 3 0-16,9-3-13 0,-7 3 6 16,7-3-35-16,-8 3 31 0,8-3-25 0,0 0 12 0,-8 4-16 15,8-4-8-15,0 0-8 16,-7 5-3-16,7-5-10 0,0 0 1 0,-8 4-14 0,8-4 0 0,-4 6 5 15,4-6 14-15,-7 8-48 0,7-8 28 0,-3 4-43 0,3-4 26 16,-3 6-46-16,3-6 31 16,0 0-48-16,-7 6 29 0,7-6-47 0,0 0 38 0,0 0-34 0,-5 5 27 15,5-5-37-15,0 0 33 16,0 0-39-16,0 0 22 0,0 0-43 0,0 0 23 0,-3-6-36 16,4-3 13-16,3 0-53 0,0-5 17 15,5-3-66-15,0-3 11 0,0-8-51 0,5 0-23 0,-2-7-22 16,1-2-32-16,2-1-9 0,0-1-13 0,-3-1 13 0,3-3-7 15,-3 3 10-15,-2 0 6 0,0 4 19 16,1-2 37-16,-4 9 20 0,-1 4 39 0,0 4 60 0,-3 3 39 16,1 3 32-16,-3 4 5 0,-1 2 19 15,0 9 12-15,-3-7 37 0,3 7 1 0,-9 6 32 0,1 3-14 16,-2 0 15-16,0 8-16 0,-2-1 16 16,1 2-25-16,-3 0 25 0,5 0-23 0,-2 1 20 0,-1-1-5 15,1-2-12-15,6-3-18 16,-2 1-28-16,0-3-7 0,5-3-10 0,-4 2-11 0,6-4-4 0,0-6-7 15,2 11-4-15,-2-11-27 0,11 2-40 0,-2-4-44 0,3-4-1 16,0 1-32-16,7-5 12 16,-3-2-18-16,6-3 28 0,1-1-2 0,-2-2 30 0,1 2 1 0,-2 1 27 15,-3 2-6-15,-2 1 23 16,0 5-8-16,-4 0 60 0,-3 1 41 0,-8 6 65 0,16 2 24 16,-9 2-2-16,-5 4-16 0,1 2-19 15,0 3-21-15,-3 3-21 0,0 2-19 0,0 3-12 0,0-1-85 16,-3-1-67-16,3 2-120 0,0-1-136 0,0 0-181 0,3-2-203 15,1-2-281-15,2-2-636 0</inkml:trace>
+  <inkml:trace contextRef="#ctx0" brushRef="#br0" timeOffset="40920.28">10786 7621 471 0,'-10'4'421'15,"10"-4"-38"-15,-8 3-91 0,8-3-20 0,-7 3-33 0,7-3-26 16,-9 3 0-16,9-3-13 0,-7 3 6 16,7-3-35-16,-8 3 31 0,8-3-25 0,0 0 12 0,-8 4-16 15,8-4-8-15,0 0-8 16,-7 5-3-16,7-5-10 0,0 0 1 0,-8 4-14 0,8-4 0 0,-4 6 5 15,4-6 14-15,-7 8-48 0,7-8 28 0,-3 4-43 0,3-4 26 16,-3 6-46-16,3-6 31 16,0 0-48-16,-7 6 29 0,7-6-47 0,0 0 38 0,0 0-34 0,-5 5 27 15,5-5-37-15,0 0 33 16,0 0-39-16,0 0 22 0,0 0-43 0,0 0 23 0,-3-6-36 16,4-3 13-16,3 0-53 0,0-5 17 15,5-3-66-15,0-3 11 0,0-8-51 0,5 0-23 0,-2-7-22 16,1-2-32-16,2-1-9 0,0-1-13 0,-3-1 13 0,3-3-7 15,-3 3 10-15,-2 0 6 0,0 4 19 16,1-2 37-16,-4 9 20 0,-1 4 39 0,0 4 60 0,-3 3 39 16,1 3 32-16,-3 4 5 0,-1 2 19 15,0 9 12-15,-3-7 37 0,3 7 1 0,-9 6 32 0,1 3-14 16,-2 0 15-16,0 8-16 0,-2-1 16 16,1 2-25-16,-3 0 25 0,5 0-23 0,-2 1 20 0,-1-1-5 15,1-2-12-15,6-3-18 16,-2 1-28-16,0-3-7 0,5-3-10 0,-4 2-11 0,6-4-4 0,0-6-7 15,2 11-4-15,-2-11-27 0,11 2-40 0,-2-4-44 0,3-4-1 16,0 1-32-16,7-5 12 16,-3-2-18-16,6-3 28 0,1-1-2 0,-2-2 30 0,1 2 1 0,-2 1 27 15,-3 2-6-15,-2 1 23 16,0 5-8-16,-4 0 60 0,-3 1 41 0,-8 6 65 0,16 2 24 16,-9 2-2-16,-5 4-16 0,1 2-19 15,0 3-21-15,-3 3-21 0,0 2-19 0,0 3-12 0,0-1-85 16,-3-1-67-16,3 2-120 0,0-1-136 0,0 0-181 0,3-2-203 15,1-2-281-15,2-2-636 0</inkml:trace>
   <inkml:trace contextRef="#ctx0" brushRef="#br0" timeOffset="42030.33">12923 7573 346 0,'1'7'599'0,"-1"-7"-93"0,4 8-81 0,-4-8-56 15,3 8-61-15,-3-8-40 0,1 7-7 0,-1-7-23 0,1 11-13 16,-1-11-20-16,0 7-24 0,0-7-33 0,3 10-22 0,-3-10-17 15,0 8-24-15,0-8-17 0,0 9-6 16,0-9 4-16,0 0 4 0,3 7 4 0,-3-7 9 0,0 0 8 16,0 0 9-16,1 7 31 15,-1-7-42-15,0 0 31 0,0 0-49 0,0 0 33 0,0 0-64 0,0 0 41 16,0 0-31-16,0 0 26 16,3-9-51-16,0 0 29 0,-2-2-45 0,3-5 28 0,4-4-58 15,-2-3 29-15,4-6-55 0,-2-6-8 16,7-2-6-16,-3-3-8 0,2-1-10 0,-2-1-3 0,4-3-10 15,-4 2 23-15,3 1 7 0,-3 2 12 0,0 0 7 0,-5 10 12 16,1 1 8-16,-1 7 0 0,0 0 25 16,-3 7 25-16,0 0 49 0,0 4-22 0,-3 2 15 0,-1 9-34 15,-1-8 12-15,1 8-25 0,-10 5-2 16,1 3 1-16,-2 3-1 0,-4 3-9 0,1 3 7 0,-2 3 4 16,2 3 8-16,-5-4 13 15,4 2 11-15,2-3-3 0,1-4 27 0,2 0-7 16,1-2-16-16,3-3-15 0,0-1-28 0,1 0-22 0,5-8 8 0,0 0-6 0,0 0-20 15,11-2-15-15,1-9-23 16,3-3-16-16,4-4-17 0,5-2-14 0,4-4-2 0,0-3-14 0,1 2 43 16,1 0 17-16,0 1 15 15,-5 3 6-15,0 4 11 0,-7 6-1 0,0 0 11 0,-3 6 11 16,-3 3 7-16,-3 5-23 0,-2 4 35 16,-2 5 3-16,-2 5-12 0,-3 4-13 0,-4 7 19 0,-3 4-27 15,-1 7-14-15,-1 3-94 0,-2-1-90 16,-1-1-101-16,2-1-182 0,-2-1-137 0,4-6-279 0,0-2-496 15</inkml:trace>
   <inkml:trace contextRef="#ctx0" brushRef="#br0" timeOffset="47610.01">3993 5864 407 0,'0'0'442'0,"0"-8"-56"16,0 8-71-16,0 0-35 0,0 0-31 0,0 0-13 0,0 0-20 15,0 0-5-15,3-5-13 0,-3 5-11 16,0 0-1-16,0 0 4 0,0 0-40 0,0 0 19 0,0 0-30 15,0 0 6-15,0 0-25 0,0 0 12 0,0 0-39 0,0 0 5 16,0 0-31-16,0 0 7 0,0 0-34 16,0 0 10-16,0 0-30 0,0 0 11 0,0 0-6 0,3 7 82 15,-2 4 20-15,-2 1-14 0,1 4-23 16,-3 3-16-16,0 7-18 0,3 0-4 0,-3 7-12 0,-1-1-7 16,2 2-7-16,-1 0-8 0,0-1-1 15,-1-1-3-15,3-5-9 0,0-3 1 0,-2 1-2 0,3-6-5 16,-3-2 0-16,2-2-3 0,-2-1-5 0,3-2-8 0,0-2 1 15,-2 1-19-15,2-4 4 0,-2 2-24 16,2-9 8-16,-2 10-63 0,2-10-26 0,0 0-29 0,0 0 28 16,-15-5-9-16,9 1 29 15,2-4-7-15,-3-2 17 0,-2-2-13 0,2 0 16 0,-1-1-1 0,-1 0 9 16,-2-2-6-16,1 2 27 16,3-1 9-16,-3 4 47 0,3 0 21 0,-1 0 17 15,4 3-9-15,-3 1 1 0,1 1-13 0,6 5 7 16,-7-8 7-16,7 8 8 0,0 0 5 0,-8 5 108 0,8 5 45 15,1 0 24-15,7 3-29 0,-2 5-6 0,7 1-32 0,2 1-5 16,2 1-21-16,5-2-1 0,3-1-24 16,5-1-8-16,-1-1-17 0,0-4-8 0,3-4-12 15,0 0-20-15,3-2-38 0,-3-3-95 0,0-3-80 16,-2 0-131-16,0-1-134 0,5-2-207 0,-7 0-490 16,-2-4-768-16</inkml:trace>
   <inkml:trace contextRef="#ctx0" brushRef="#br0" timeOffset="50010.15">6551 5681 198 0,'-2'6'527'0,"1"5"-96"0,0 1-65 0,1 3-48 15,-3 4-17-15,-1 4-37 0,3 3-33 0,-2 0-34 16,-1 6-20-16,0-2-36 0,-2-1-15 0,2 2-28 0,1-5-1 15,-2-1-26-15,3-1 2 0,-2-1-24 0,1-3 1 0,0-2-20 16,-1-1 3-16,4-2-18 0,-2-4 10 16,0 1-15-16,1-2 8 0,-2 0-39 0,2-3-28 0,-2 0-67 15,0-2-54-15,3-5-11 0,-6 6-37 16,6-6 58-16,0 0-19 0,-12-5 67 0,6 0-20 0,2-2 63 16,-1-1-29-16,2-2 59 0,-5-1-41 15,4-2 52-15,-3 0-38 0,0 1 59 0,-2-2-21 0,2 2 86 16,-1 2 28-16,5 0 49 0,-5 3-3 0,4-2-8 0,-2 3 5 15,2 2-22-15,4 4-2 16,-9-2-12-16,9 2 4 0,-8 4-10 0,4 1 6 0,3 4-14 0,1-3 8 16,0 5-16-16,4-1 25 15,-1 1-8-15,6-1 24 0,1 1-5 0,2 0 22 0,6-1-39 16,0-2 14-16,8-1-44 0,-1-3 1 16,2-3-22-16,3-1-37 0,8-3-76 0,-2-2-116 0,8-5-115 15,1 0-147-15,1-4-623 0,-3 0-692 16</inkml:trace>
@@ -5679,8 +5679,8 @@
           </a:graphicData>
         </a:graphic>
       </p:graphicFrame>
-      <mc:AlternateContent xmlns:mc="http://schemas.openxmlformats.org/markup-compatibility/2006">
-        <mc:Choice xmlns:p14="http://schemas.microsoft.com/office/powerpoint/2010/main" Requires="p14">
+      <mc:AlternateContent xmlns:mc="http://schemas.openxmlformats.org/markup-compatibility/2006" xmlns:p14="http://schemas.microsoft.com/office/powerpoint/2010/main">
+        <mc:Choice Requires="p14">
           <p:contentPart p14:bwMode="auto" r:id="rId2">
             <p14:nvContentPartPr>
               <p14:cNvPr id="2" name="Ink 1">
@@ -5699,7 +5699,7 @@
             </p14:xfrm>
           </p:contentPart>
         </mc:Choice>
-        <mc:Fallback>
+        <mc:Fallback xmlns="">
           <p:pic>
             <p:nvPicPr>
               <p:cNvPr id="2" name="Ink 1">
@@ -5965,8 +5965,8 @@
           </a:extLst>
         </p:spPr>
       </p:pic>
-      <mc:AlternateContent xmlns:mc="http://schemas.openxmlformats.org/markup-compatibility/2006">
-        <mc:Choice xmlns:p14="http://schemas.microsoft.com/office/powerpoint/2010/main" Requires="p14">
+      <mc:AlternateContent xmlns:mc="http://schemas.openxmlformats.org/markup-compatibility/2006" xmlns:p14="http://schemas.microsoft.com/office/powerpoint/2010/main">
+        <mc:Choice Requires="p14">
           <p:contentPart p14:bwMode="auto" r:id="rId3">
             <p14:nvContentPartPr>
               <p14:cNvPr id="2" name="Ink 1">
@@ -5985,7 +5985,7 @@
             </p14:xfrm>
           </p:contentPart>
         </mc:Choice>
-        <mc:Fallback>
+        <mc:Fallback xmlns="">
           <p:pic>
             <p:nvPicPr>
               <p:cNvPr id="2" name="Ink 1">
@@ -6251,8 +6251,8 @@
           </a:extLst>
         </p:spPr>
       </p:pic>
-      <mc:AlternateContent xmlns:mc="http://schemas.openxmlformats.org/markup-compatibility/2006">
-        <mc:Choice xmlns:p14="http://schemas.microsoft.com/office/powerpoint/2010/main" Requires="p14">
+      <mc:AlternateContent xmlns:mc="http://schemas.openxmlformats.org/markup-compatibility/2006" xmlns:p14="http://schemas.microsoft.com/office/powerpoint/2010/main">
+        <mc:Choice Requires="p14">
           <p:contentPart p14:bwMode="auto" r:id="rId3">
             <p14:nvContentPartPr>
               <p14:cNvPr id="2" name="Ink 1">
@@ -6271,7 +6271,7 @@
             </p14:xfrm>
           </p:contentPart>
         </mc:Choice>
-        <mc:Fallback>
+        <mc:Fallback xmlns="">
           <p:pic>
             <p:nvPicPr>
               <p:cNvPr id="2" name="Ink 1">
@@ -7824,7 +7824,7 @@
                         <a:tabLst/>
                       </a:pPr>
                       <a:r>
-                        <a:rPr kumimoji="0" lang="en-US" sz="1800" b="1" i="0" u="none" strike="noStrike" cap="none" normalizeH="0" baseline="0">
+                        <a:rPr kumimoji="0" lang="en-US" sz="1800" b="1" i="0" u="none" strike="noStrike" cap="none" normalizeH="0" baseline="0" dirty="0">
                           <a:ln>
                             <a:noFill/>
                           </a:ln>
@@ -7906,7 +7906,7 @@
                         <a:tabLst/>
                       </a:pPr>
                       <a:r>
-                        <a:rPr kumimoji="0" lang="en-US" sz="1800" b="1" i="0" u="none" strike="noStrike" cap="none" normalizeH="0" baseline="0">
+                        <a:rPr kumimoji="0" lang="en-US" sz="1800" b="1" i="0" u="none" strike="noStrike" cap="none" normalizeH="0" baseline="0" dirty="0">
                           <a:ln>
                             <a:noFill/>
                           </a:ln>
@@ -7991,7 +7991,7 @@
               <p14:nvPr/>
             </p14:nvContentPartPr>
             <p14:xfrm>
-              <a:off x="794880" y="1644120"/>
+              <a:off x="808038" y="1662370"/>
               <a:ext cx="4464360" cy="4484880"/>
             </p14:xfrm>
           </p:contentPart>
@@ -8017,7 +8017,7 @@
             </p:blipFill>
             <p:spPr>
               <a:xfrm>
-                <a:off x="785520" y="1634760"/>
+                <a:off x="798678" y="1653010"/>
                 <a:ext cx="4483080" cy="4503600"/>
               </a:xfrm>
               <a:prstGeom prst="rect">
@@ -8243,7 +8243,7 @@
           <a:graphicData uri="http://schemas.openxmlformats.org/presentationml/2006/ole">
             <mc:AlternateContent xmlns:mc="http://schemas.openxmlformats.org/markup-compatibility/2006">
               <mc:Choice xmlns:v="urn:schemas-microsoft-com:vml" Requires="v">
-                <p:oleObj spid="_x0000_s2052" name="Equation" r:id="rId3" imgW="431613" imgH="431613" progId="Equation.3">
+                <p:oleObj spid="_x0000_s2054" name="Equation" r:id="rId3" imgW="431613" imgH="431613" progId="Equation.3">
                   <p:embed/>
                 </p:oleObj>
               </mc:Choice>
@@ -8315,8 +8315,8 @@
           </a:graphicData>
         </a:graphic>
       </p:graphicFrame>
-      <mc:AlternateContent xmlns:mc="http://schemas.openxmlformats.org/markup-compatibility/2006">
-        <mc:Choice xmlns:p14="http://schemas.microsoft.com/office/powerpoint/2010/main" Requires="p14">
+      <mc:AlternateContent xmlns:mc="http://schemas.openxmlformats.org/markup-compatibility/2006" xmlns:p14="http://schemas.microsoft.com/office/powerpoint/2010/main">
+        <mc:Choice Requires="p14">
           <p:contentPart p14:bwMode="auto" r:id="rId5">
             <p14:nvContentPartPr>
               <p14:cNvPr id="2" name="Ink 1">
@@ -8335,7 +8335,7 @@
             </p14:xfrm>
           </p:contentPart>
         </mc:Choice>
-        <mc:Fallback>
+        <mc:Fallback xmlns="">
           <p:pic>
             <p:nvPicPr>
               <p:cNvPr id="2" name="Ink 1">
